--- a/Resources/Presentation/NBA Full-Stack Application.pptx
+++ b/Resources/Presentation/NBA Full-Stack Application.pptx
@@ -10429,7 +10429,7 @@
         <p:spPr>
           <a:xfrm>
             <a:off x="5349561" y="2198500"/>
-            <a:ext cx="6073731" cy="1600438"/>
+            <a:ext cx="6073731" cy="1815882"/>
           </a:xfrm>
           <a:prstGeom prst="rect">
             <a:avLst/>
@@ -10545,12 +10545,46 @@
               </a:rPr>
               <a:t> </a:t>
             </a:r>
+            <a:endParaRPr lang="en-US" altLang="zh-CN" b="1" dirty="0">
+              <a:latin typeface="Chalkboard" panose="03050602040202020205" pitchFamily="66" charset="77"/>
+              <a:cs typeface="Adobe Naskh Medium" pitchFamily="2" charset="-78"/>
+            </a:endParaRPr>
+          </a:p>
+          <a:p>
             <a:r>
               <a:rPr lang="en-US" altLang="zh-CN" b="1" dirty="0">
                 <a:latin typeface="Chalkboard" panose="03050602040202020205" pitchFamily="66" charset="77"/>
                 <a:cs typeface="Adobe Naskh Medium" pitchFamily="2" charset="-78"/>
               </a:rPr>
-              <a:t>+</a:t>
+              <a:t>		+</a:t>
+            </a:r>
+            <a:r>
+              <a:rPr lang="zh-CN" altLang="en-US" b="1" dirty="0">
+                <a:latin typeface="Chalkboard" panose="03050602040202020205" pitchFamily="66" charset="77"/>
+                <a:cs typeface="Adobe Naskh Medium" pitchFamily="2" charset="-78"/>
+              </a:rPr>
+              <a:t> </a:t>
+            </a:r>
+            <a:r>
+              <a:rPr lang="en-US" altLang="zh-CN" b="1" dirty="0">
+                <a:latin typeface="Chalkboard" panose="03050602040202020205" pitchFamily="66" charset="77"/>
+                <a:cs typeface="Adobe Naskh Medium" pitchFamily="2" charset="-78"/>
+              </a:rPr>
+              <a:t>Spring</a:t>
+            </a:r>
+            <a:r>
+              <a:rPr lang="zh-CN" altLang="en-US" b="1" dirty="0">
+                <a:latin typeface="Chalkboard" panose="03050602040202020205" pitchFamily="66" charset="77"/>
+                <a:cs typeface="Adobe Naskh Medium" pitchFamily="2" charset="-78"/>
+              </a:rPr>
+              <a:t> </a:t>
+            </a:r>
+            <a:r>
+              <a:rPr lang="en-US" altLang="zh-CN" b="1" dirty="0">
+                <a:latin typeface="Chalkboard" panose="03050602040202020205" pitchFamily="66" charset="77"/>
+                <a:cs typeface="Adobe Naskh Medium" pitchFamily="2" charset="-78"/>
+              </a:rPr>
+              <a:t>data</a:t>
             </a:r>
             <a:r>
               <a:rPr lang="zh-CN" altLang="en-US" b="1" dirty="0">
